--- a/DOC/HybridMaxTech.pptx
+++ b/DOC/HybridMaxTech.pptx
@@ -126,7 +126,18 @@
   </p:defaultTextStyle>
   <p:extLst>
     <p:ext uri="{EFAFB233-063F-42B5-8137-9DF3F51BA10A}">
-      <p15:sldGuideLst xmlns:p15="http://schemas.microsoft.com/office/powerpoint/2012/main" xmlns=""/>
+      <p15:sldGuideLst xmlns:p15="http://schemas.microsoft.com/office/powerpoint/2012/main">
+        <p15:guide id="1" orient="horz" pos="2160">
+          <p15:clr>
+            <a:srgbClr val="A4A3A4"/>
+          </p15:clr>
+        </p15:guide>
+        <p15:guide id="2" pos="3840">
+          <p15:clr>
+            <a:srgbClr val="A4A3A4"/>
+          </p15:clr>
+        </p15:guide>
+      </p15:sldGuideLst>
     </p:ext>
   </p:extLst>
 </p:presentation>
@@ -215,7 +226,7 @@
             <a:fld id="{3B78AA6D-322E-41D7-899D-E2530EADF38F}" type="datetimeFigureOut">
               <a:rPr lang="en-US" smtClean="0"/>
               <a:pPr/>
-              <a:t>1/8/2016</a:t>
+              <a:t>2/10/2016</a:t>
             </a:fld>
             <a:endParaRPr lang="en-US"/>
           </a:p>
@@ -291,7 +302,7 @@
     </p:spTree>
     <p:extLst>
       <p:ext uri="{BB962C8B-B14F-4D97-AF65-F5344CB8AC3E}">
-        <p14:creationId xmlns:p14="http://schemas.microsoft.com/office/powerpoint/2010/main" xmlns="" val="54465765"/>
+        <p14:creationId xmlns:p14="http://schemas.microsoft.com/office/powerpoint/2010/main" val="54465765"/>
       </p:ext>
     </p:extLst>
   </p:cSld>
@@ -383,7 +394,7 @@
             <a:fld id="{B461AA4E-40EF-42B3-A4D5-5E5F2F36C438}" type="datetimeFigureOut">
               <a:rPr lang="en-US" smtClean="0"/>
               <a:pPr/>
-              <a:t>1/8/2016</a:t>
+              <a:t>2/10/2016</a:t>
             </a:fld>
             <a:endParaRPr lang="en-US"/>
           </a:p>
@@ -552,7 +563,7 @@
     </p:spTree>
     <p:extLst>
       <p:ext uri="{BB962C8B-B14F-4D97-AF65-F5344CB8AC3E}">
-        <p14:creationId xmlns:p14="http://schemas.microsoft.com/office/powerpoint/2010/main" xmlns="" val="1180605460"/>
+        <p14:creationId xmlns:p14="http://schemas.microsoft.com/office/powerpoint/2010/main" val="1180605460"/>
       </p:ext>
     </p:extLst>
   </p:cSld>
@@ -728,7 +739,7 @@
     </p:spTree>
     <p:extLst>
       <p:ext uri="{BB962C8B-B14F-4D97-AF65-F5344CB8AC3E}">
-        <p14:creationId xmlns:p14="http://schemas.microsoft.com/office/powerpoint/2010/main" xmlns="" val="3600702764"/>
+        <p14:creationId xmlns:p14="http://schemas.microsoft.com/office/powerpoint/2010/main" val="3600702764"/>
       </p:ext>
     </p:extLst>
   </p:cSld>
@@ -870,7 +881,7 @@
             <a:fld id="{E0CCFFEA-D784-4735-8115-607A6FD5DD79}" type="datetime1">
               <a:rPr lang="en-US" smtClean="0"/>
               <a:pPr/>
-              <a:t>1/8/2016</a:t>
+              <a:t>2/10/2016</a:t>
             </a:fld>
             <a:endParaRPr lang="en-US"/>
           </a:p>
@@ -926,7 +937,7 @@
     </p:spTree>
     <p:extLst>
       <p:ext uri="{BB962C8B-B14F-4D97-AF65-F5344CB8AC3E}">
-        <p14:creationId xmlns:p14="http://schemas.microsoft.com/office/powerpoint/2010/main" xmlns="" val="3367541966"/>
+        <p14:creationId xmlns:p14="http://schemas.microsoft.com/office/powerpoint/2010/main" val="3367541966"/>
       </p:ext>
     </p:extLst>
   </p:cSld>
@@ -1046,7 +1057,7 @@
             <a:fld id="{FBD96DAC-F92E-4EE8-A304-91F313F89BD9}" type="datetime1">
               <a:rPr lang="en-US" smtClean="0"/>
               <a:pPr/>
-              <a:t>1/8/2016</a:t>
+              <a:t>2/10/2016</a:t>
             </a:fld>
             <a:endParaRPr lang="en-US"/>
           </a:p>
@@ -1098,7 +1109,7 @@
     </p:spTree>
     <p:extLst>
       <p:ext uri="{BB962C8B-B14F-4D97-AF65-F5344CB8AC3E}">
-        <p14:creationId xmlns:p14="http://schemas.microsoft.com/office/powerpoint/2010/main" xmlns="" val="4059428753"/>
+        <p14:creationId xmlns:p14="http://schemas.microsoft.com/office/powerpoint/2010/main" val="4059428753"/>
       </p:ext>
     </p:extLst>
   </p:cSld>
@@ -1228,7 +1239,7 @@
             <a:fld id="{BCBE5A0F-4848-4D38-811A-F11B50BA1298}" type="datetime1">
               <a:rPr lang="en-US" smtClean="0"/>
               <a:pPr/>
-              <a:t>1/8/2016</a:t>
+              <a:t>2/10/2016</a:t>
             </a:fld>
             <a:endParaRPr lang="en-US"/>
           </a:p>
@@ -1280,7 +1291,7 @@
     </p:spTree>
     <p:extLst>
       <p:ext uri="{BB962C8B-B14F-4D97-AF65-F5344CB8AC3E}">
-        <p14:creationId xmlns:p14="http://schemas.microsoft.com/office/powerpoint/2010/main" xmlns="" val="2100999265"/>
+        <p14:creationId xmlns:p14="http://schemas.microsoft.com/office/powerpoint/2010/main" val="2100999265"/>
       </p:ext>
     </p:extLst>
   </p:cSld>
@@ -1400,7 +1411,7 @@
             <a:fld id="{4439E8A0-BEBE-4C71-ABD9-80DC4D4321E4}" type="datetime1">
               <a:rPr lang="en-US" smtClean="0"/>
               <a:pPr/>
-              <a:t>1/8/2016</a:t>
+              <a:t>2/10/2016</a:t>
             </a:fld>
             <a:endParaRPr lang="en-US"/>
           </a:p>
@@ -1456,7 +1467,7 @@
     </p:spTree>
     <p:extLst>
       <p:ext uri="{BB962C8B-B14F-4D97-AF65-F5344CB8AC3E}">
-        <p14:creationId xmlns:p14="http://schemas.microsoft.com/office/powerpoint/2010/main" xmlns="" val="2761655323"/>
+        <p14:creationId xmlns:p14="http://schemas.microsoft.com/office/powerpoint/2010/main" val="2761655323"/>
       </p:ext>
     </p:extLst>
   </p:cSld>
@@ -1652,7 +1663,7 @@
             <a:fld id="{DAC7380C-6B29-49BE-B0D9-70D6D4FBFA36}" type="datetime1">
               <a:rPr lang="en-US" smtClean="0"/>
               <a:pPr/>
-              <a:t>1/8/2016</a:t>
+              <a:t>2/10/2016</a:t>
             </a:fld>
             <a:endParaRPr lang="en-US"/>
           </a:p>
@@ -1704,7 +1715,7 @@
     </p:spTree>
     <p:extLst>
       <p:ext uri="{BB962C8B-B14F-4D97-AF65-F5344CB8AC3E}">
-        <p14:creationId xmlns:p14="http://schemas.microsoft.com/office/powerpoint/2010/main" xmlns="" val="972447167"/>
+        <p14:creationId xmlns:p14="http://schemas.microsoft.com/office/powerpoint/2010/main" val="972447167"/>
       </p:ext>
     </p:extLst>
   </p:cSld>
@@ -1886,7 +1897,7 @@
             <a:fld id="{3940A2F6-727F-4CDD-978C-FCBE682CE854}" type="datetime1">
               <a:rPr lang="en-US" smtClean="0"/>
               <a:pPr/>
-              <a:t>1/8/2016</a:t>
+              <a:t>2/10/2016</a:t>
             </a:fld>
             <a:endParaRPr lang="en-US"/>
           </a:p>
@@ -1942,7 +1953,7 @@
     </p:spTree>
     <p:extLst>
       <p:ext uri="{BB962C8B-B14F-4D97-AF65-F5344CB8AC3E}">
-        <p14:creationId xmlns:p14="http://schemas.microsoft.com/office/powerpoint/2010/main" xmlns="" val="4201679272"/>
+        <p14:creationId xmlns:p14="http://schemas.microsoft.com/office/powerpoint/2010/main" val="4201679272"/>
       </p:ext>
     </p:extLst>
   </p:cSld>
@@ -2259,7 +2270,7 @@
             <a:fld id="{56D742C9-5EA6-461F-864D-EE84F468C8B9}" type="datetime1">
               <a:rPr lang="en-US" smtClean="0"/>
               <a:pPr/>
-              <a:t>1/8/2016</a:t>
+              <a:t>2/10/2016</a:t>
             </a:fld>
             <a:endParaRPr lang="en-US"/>
           </a:p>
@@ -2311,7 +2322,7 @@
     </p:spTree>
     <p:extLst>
       <p:ext uri="{BB962C8B-B14F-4D97-AF65-F5344CB8AC3E}">
-        <p14:creationId xmlns:p14="http://schemas.microsoft.com/office/powerpoint/2010/main" xmlns="" val="671687541"/>
+        <p14:creationId xmlns:p14="http://schemas.microsoft.com/office/powerpoint/2010/main" val="671687541"/>
       </p:ext>
     </p:extLst>
   </p:cSld>
@@ -2379,7 +2390,7 @@
             <a:fld id="{513C0351-7A6C-4092-A1F5-0EA765F3F538}" type="datetime1">
               <a:rPr lang="en-US" smtClean="0"/>
               <a:pPr/>
-              <a:t>1/8/2016</a:t>
+              <a:t>2/10/2016</a:t>
             </a:fld>
             <a:endParaRPr lang="en-US"/>
           </a:p>
@@ -2435,7 +2446,7 @@
     </p:spTree>
     <p:extLst>
       <p:ext uri="{BB962C8B-B14F-4D97-AF65-F5344CB8AC3E}">
-        <p14:creationId xmlns:p14="http://schemas.microsoft.com/office/powerpoint/2010/main" xmlns="" val="877240812"/>
+        <p14:creationId xmlns:p14="http://schemas.microsoft.com/office/powerpoint/2010/main" val="877240812"/>
       </p:ext>
     </p:extLst>
   </p:cSld>
@@ -2480,7 +2491,7 @@
             <a:fld id="{16D6180F-0368-41A1-A875-A0C5032923AB}" type="datetime1">
               <a:rPr lang="en-US" smtClean="0"/>
               <a:pPr/>
-              <a:t>1/8/2016</a:t>
+              <a:t>2/10/2016</a:t>
             </a:fld>
             <a:endParaRPr lang="en-US"/>
           </a:p>
@@ -2532,7 +2543,7 @@
     </p:spTree>
     <p:extLst>
       <p:ext uri="{BB962C8B-B14F-4D97-AF65-F5344CB8AC3E}">
-        <p14:creationId xmlns:p14="http://schemas.microsoft.com/office/powerpoint/2010/main" xmlns="" val="2866122531"/>
+        <p14:creationId xmlns:p14="http://schemas.microsoft.com/office/powerpoint/2010/main" val="2866122531"/>
       </p:ext>
     </p:extLst>
   </p:cSld>
@@ -2759,7 +2770,7 @@
             <a:fld id="{3F1EE7B0-04B7-4047-A1AD-722B0A981899}" type="datetime1">
               <a:rPr lang="en-US" smtClean="0"/>
               <a:pPr/>
-              <a:t>1/8/2016</a:t>
+              <a:t>2/10/2016</a:t>
             </a:fld>
             <a:endParaRPr lang="en-US"/>
           </a:p>
@@ -2811,7 +2822,7 @@
     </p:spTree>
     <p:extLst>
       <p:ext uri="{BB962C8B-B14F-4D97-AF65-F5344CB8AC3E}">
-        <p14:creationId xmlns:p14="http://schemas.microsoft.com/office/powerpoint/2010/main" xmlns="" val="3458880276"/>
+        <p14:creationId xmlns:p14="http://schemas.microsoft.com/office/powerpoint/2010/main" val="3458880276"/>
       </p:ext>
     </p:extLst>
   </p:cSld>
@@ -3014,7 +3025,7 @@
             <a:fld id="{266004EE-4BAC-48C9-A0FE-3A1E71E17D35}" type="datetime1">
               <a:rPr lang="en-US" smtClean="0"/>
               <a:pPr/>
-              <a:t>1/8/2016</a:t>
+              <a:t>2/10/2016</a:t>
             </a:fld>
             <a:endParaRPr lang="en-US"/>
           </a:p>
@@ -3066,7 +3077,7 @@
     </p:spTree>
     <p:extLst>
       <p:ext uri="{BB962C8B-B14F-4D97-AF65-F5344CB8AC3E}">
-        <p14:creationId xmlns:p14="http://schemas.microsoft.com/office/powerpoint/2010/main" xmlns="" val="3097882007"/>
+        <p14:creationId xmlns:p14="http://schemas.microsoft.com/office/powerpoint/2010/main" val="3097882007"/>
       </p:ext>
     </p:extLst>
   </p:cSld>
@@ -3229,7 +3240,7 @@
             <a:fld id="{7B3F272D-F9CA-4093-8F76-BAF7A7C67FDE}" type="datetime1">
               <a:rPr lang="en-US" smtClean="0"/>
               <a:pPr/>
-              <a:t>1/8/2016</a:t>
+              <a:t>2/10/2016</a:t>
             </a:fld>
             <a:endParaRPr lang="en-US"/>
           </a:p>
@@ -3317,7 +3328,7 @@
     </p:spTree>
     <p:extLst>
       <p:ext uri="{BB962C8B-B14F-4D97-AF65-F5344CB8AC3E}">
-        <p14:creationId xmlns:p14="http://schemas.microsoft.com/office/powerpoint/2010/main" xmlns="" val="3250498266"/>
+        <p14:creationId xmlns:p14="http://schemas.microsoft.com/office/powerpoint/2010/main" val="3250498266"/>
       </p:ext>
     </p:extLst>
   </p:cSld>
@@ -3768,7 +3779,7 @@
     </p:spTree>
     <p:extLst>
       <p:ext uri="{BB962C8B-B14F-4D97-AF65-F5344CB8AC3E}">
-        <p14:creationId xmlns:p14="http://schemas.microsoft.com/office/powerpoint/2010/main" xmlns="" val="3101327741"/>
+        <p14:creationId xmlns:p14="http://schemas.microsoft.com/office/powerpoint/2010/main" val="3101327741"/>
       </p:ext>
     </p:extLst>
   </p:cSld>
@@ -4148,22 +4159,7 @@
                 <a:latin typeface="Arial"/>
                 <a:ea typeface="DejaVu Sans"/>
               </a:rPr>
-              <a:t>he Loop </a:t>
-            </a:r>
-            <a:r>
-              <a:rPr lang="en-US" sz="1800" strike="noStrike" spc="-1" dirty="0" smtClean="0">
-                <a:solidFill>
-                  <a:srgbClr val="000000"/>
-                </a:solidFill>
-                <a:uFill>
-                  <a:solidFill>
-                    <a:srgbClr val="FFFFFF"/>
-                  </a:solidFill>
-                </a:uFill>
-                <a:latin typeface="Arial"/>
-                <a:ea typeface="DejaVu Sans"/>
-              </a:rPr>
-              <a:t>Tiling Method</a:t>
+              <a:t>he Loop Tiling Method</a:t>
             </a:r>
             <a:endParaRPr dirty="0"/>
           </a:p>
@@ -4200,7 +4196,7 @@
     </p:spTree>
     <p:extLst>
       <p:ext uri="{BB962C8B-B14F-4D97-AF65-F5344CB8AC3E}">
-        <p14:creationId xmlns:p14="http://schemas.microsoft.com/office/powerpoint/2010/main" xmlns="" val="81456982"/>
+        <p14:creationId xmlns:p14="http://schemas.microsoft.com/office/powerpoint/2010/main" val="81456982"/>
       </p:ext>
     </p:extLst>
   </p:cSld>
@@ -5323,7 +5319,7 @@
     </p:spTree>
     <p:extLst>
       <p:ext uri="{BB962C8B-B14F-4D97-AF65-F5344CB8AC3E}">
-        <p14:creationId xmlns:p14="http://schemas.microsoft.com/office/powerpoint/2010/main" xmlns="" val="2070242268"/>
+        <p14:creationId xmlns:p14="http://schemas.microsoft.com/office/powerpoint/2010/main" val="2070242268"/>
       </p:ext>
     </p:extLst>
   </p:cSld>
@@ -6035,7 +6031,7 @@
     </p:spTree>
     <p:extLst>
       <p:ext uri="{BB962C8B-B14F-4D97-AF65-F5344CB8AC3E}">
-        <p14:creationId xmlns:p14="http://schemas.microsoft.com/office/powerpoint/2010/main" xmlns="" val="546426119"/>
+        <p14:creationId xmlns:p14="http://schemas.microsoft.com/office/powerpoint/2010/main" val="546426119"/>
       </p:ext>
     </p:extLst>
   </p:cSld>
@@ -6442,7 +6438,7 @@
     </p:spTree>
     <p:extLst>
       <p:ext uri="{BB962C8B-B14F-4D97-AF65-F5344CB8AC3E}">
-        <p14:creationId xmlns:p14="http://schemas.microsoft.com/office/powerpoint/2010/main" xmlns="" val="1842840620"/>
+        <p14:creationId xmlns:p14="http://schemas.microsoft.com/office/powerpoint/2010/main" val="1842840620"/>
       </p:ext>
     </p:extLst>
   </p:cSld>
@@ -6618,7 +6614,7 @@
           <a:blip r:embed="rId2" cstate="print">
             <a:extLst>
               <a:ext uri="{28A0092B-C50C-407E-A947-70E740481C1C}">
-                <a14:useLocalDpi xmlns:a14="http://schemas.microsoft.com/office/drawing/2010/main" xmlns="" val="0"/>
+                <a14:useLocalDpi xmlns:a14="http://schemas.microsoft.com/office/drawing/2010/main" val="0"/>
               </a:ext>
             </a:extLst>
           </a:blip>
@@ -6639,7 +6635,7 @@
     </p:spTree>
     <p:extLst>
       <p:ext uri="{BB962C8B-B14F-4D97-AF65-F5344CB8AC3E}">
-        <p14:creationId xmlns:p14="http://schemas.microsoft.com/office/powerpoint/2010/main" xmlns="" val="1533397499"/>
+        <p14:creationId xmlns:p14="http://schemas.microsoft.com/office/powerpoint/2010/main" val="1533397499"/>
       </p:ext>
     </p:extLst>
   </p:cSld>
@@ -6920,7 +6916,7 @@
     </p:spTree>
     <p:extLst>
       <p:ext uri="{BB962C8B-B14F-4D97-AF65-F5344CB8AC3E}">
-        <p14:creationId xmlns:p14="http://schemas.microsoft.com/office/powerpoint/2010/main" xmlns="" val="253068929"/>
+        <p14:creationId xmlns:p14="http://schemas.microsoft.com/office/powerpoint/2010/main" val="253068929"/>
       </p:ext>
     </p:extLst>
   </p:cSld>
@@ -7413,7 +7409,7 @@
     </p:spTree>
     <p:extLst>
       <p:ext uri="{BB962C8B-B14F-4D97-AF65-F5344CB8AC3E}">
-        <p14:creationId xmlns:p14="http://schemas.microsoft.com/office/powerpoint/2010/main" xmlns="" val="1938410597"/>
+        <p14:creationId xmlns:p14="http://schemas.microsoft.com/office/powerpoint/2010/main" val="1938410597"/>
       </p:ext>
     </p:extLst>
   </p:cSld>
@@ -7591,29 +7587,7 @@
                 </a:uFill>
                 <a:latin typeface="Arial"/>
               </a:rPr>
-              <a:t>Tensors </a:t>
-            </a:r>
-            <a:r>
-              <a:rPr lang="en-US" strike="noStrike" spc="-1" dirty="0" smtClean="0">
-                <a:uFill>
-                  <a:solidFill>
-                    <a:srgbClr val="FFFFFF"/>
-                  </a:solidFill>
-                </a:uFill>
-                <a:latin typeface="Arial"/>
-              </a:rPr>
-              <a:t>are a </a:t>
-            </a:r>
-            <a:r>
-              <a:rPr lang="en-US" strike="noStrike" spc="-1" dirty="0" smtClean="0">
-                <a:uFill>
-                  <a:solidFill>
-                    <a:srgbClr val="FFFFFF"/>
-                  </a:solidFill>
-                </a:uFill>
-                <a:latin typeface="Arial"/>
-              </a:rPr>
-              <a:t>generalization of scalars and vectors; </a:t>
+              <a:t>Tensors are a generalization of scalars and vectors; </a:t>
             </a:r>
             <a:br>
               <a:rPr lang="en-US" strike="noStrike" spc="-1" dirty="0" smtClean="0">
@@ -7656,62 +7630,7 @@
                 </a:uFill>
                 <a:latin typeface="Arial"/>
               </a:rPr>
-              <a:t>zero </a:t>
-            </a:r>
-            <a:r>
-              <a:rPr lang="en-US" strike="noStrike" spc="-1" dirty="0" smtClean="0">
-                <a:uFill>
-                  <a:solidFill>
-                    <a:srgbClr val="FFFFFF"/>
-                  </a:solidFill>
-                </a:uFill>
-                <a:latin typeface="Arial"/>
-              </a:rPr>
-              <a:t>rank tensor, and </a:t>
-            </a:r>
-            <a:r>
-              <a:rPr lang="en-US" strike="noStrike" spc="-1" dirty="0" smtClean="0">
-                <a:uFill>
-                  <a:solidFill>
-                    <a:srgbClr val="FFFFFF"/>
-                  </a:solidFill>
-                </a:uFill>
-                <a:latin typeface="Arial"/>
-              </a:rPr>
-              <a:t>a </a:t>
-            </a:r>
-            <a:r>
-              <a:rPr lang="en-US" strike="noStrike" spc="-1" dirty="0" smtClean="0">
-                <a:uFill>
-                  <a:solidFill>
-                    <a:srgbClr val="FFFFFF"/>
-                  </a:solidFill>
-                </a:uFill>
-                <a:latin typeface="Arial"/>
-              </a:rPr>
-              <a:t>vector is </a:t>
-            </a:r>
-            <a:r>
-              <a:rPr lang="en-US" strike="noStrike" spc="-1" dirty="0" smtClean="0">
-                <a:uFill>
-                  <a:solidFill>
-                    <a:srgbClr val="FFFFFF"/>
-                  </a:solidFill>
-                </a:uFill>
-                <a:latin typeface="Arial"/>
-              </a:rPr>
-              <a:t>the </a:t>
-            </a:r>
-            <a:r>
-              <a:rPr lang="en-US" strike="noStrike" spc="-1" dirty="0" smtClean="0">
-                <a:uFill>
-                  <a:solidFill>
-                    <a:srgbClr val="FFFFFF"/>
-                  </a:solidFill>
-                </a:uFill>
-                <a:latin typeface="Arial"/>
-              </a:rPr>
-              <a:t>first rank tensor</a:t>
+              <a:t>zero rank tensor, and a vector is the first rank tensor</a:t>
             </a:r>
           </a:p>
           <a:p>
@@ -7821,18 +7740,7 @@
                 </a:uFill>
                 <a:latin typeface="Arial"/>
               </a:rPr>
-              <a:t>roperties </a:t>
-            </a:r>
-            <a:r>
-              <a:rPr lang="en-US" strike="noStrike" spc="-1" dirty="0" smtClean="0">
-                <a:uFill>
-                  <a:solidFill>
-                    <a:srgbClr val="FFFFFF"/>
-                  </a:solidFill>
-                </a:uFill>
-                <a:latin typeface="Arial"/>
-              </a:rPr>
-              <a:t>that require one direction (first rank) can be fully described by a 3×1 column vector, </a:t>
+              <a:t>roperties that require one direction (first rank) can be fully described by a 3×1 column vector, </a:t>
             </a:r>
             <a:br>
               <a:rPr lang="en-US" strike="noStrike" spc="-1" dirty="0" smtClean="0">
@@ -7896,7 +7804,18 @@
                 </a:uFill>
                 <a:latin typeface="Arial"/>
               </a:rPr>
-              <a:t>as such, in </a:t>
+              <a:t>as such, in general, an n</a:t>
+            </a:r>
+            <a:r>
+              <a:rPr lang="en-US" strike="noStrike" spc="-1" baseline="30000" dirty="0" smtClean="0">
+                <a:uFill>
+                  <a:solidFill>
+                    <a:srgbClr val="FFFFFF"/>
+                  </a:solidFill>
+                </a:uFill>
+                <a:latin typeface="Arial"/>
+              </a:rPr>
+              <a:t>th</a:t>
             </a:r>
             <a:r>
               <a:rPr lang="en-US" strike="noStrike" spc="-1" dirty="0" smtClean="0">
@@ -7907,7 +7826,18 @@
                 </a:uFill>
                 <a:latin typeface="Arial"/>
               </a:rPr>
-              <a:t>general, </a:t>
+              <a:t> rank tensor can be described by 3</a:t>
+            </a:r>
+            <a:r>
+              <a:rPr lang="en-US" strike="noStrike" spc="-1" baseline="30000" dirty="0" smtClean="0">
+                <a:uFill>
+                  <a:solidFill>
+                    <a:srgbClr val="FFFFFF"/>
+                  </a:solidFill>
+                </a:uFill>
+                <a:latin typeface="Arial"/>
+              </a:rPr>
+              <a:t>n</a:t>
             </a:r>
             <a:r>
               <a:rPr lang="en-US" strike="noStrike" spc="-1" dirty="0" smtClean="0">
@@ -7918,62 +7848,7 @@
                 </a:uFill>
                 <a:latin typeface="Arial"/>
               </a:rPr>
-              <a:t>an n</a:t>
-            </a:r>
-            <a:r>
-              <a:rPr lang="en-US" strike="noStrike" spc="-1" baseline="30000" dirty="0" smtClean="0">
-                <a:uFill>
-                  <a:solidFill>
-                    <a:srgbClr val="FFFFFF"/>
-                  </a:solidFill>
-                </a:uFill>
-                <a:latin typeface="Arial"/>
-              </a:rPr>
-              <a:t>th</a:t>
-            </a:r>
-            <a:r>
-              <a:rPr lang="en-US" strike="noStrike" spc="-1" dirty="0" smtClean="0">
-                <a:uFill>
-                  <a:solidFill>
-                    <a:srgbClr val="FFFFFF"/>
-                  </a:solidFill>
-                </a:uFill>
-                <a:latin typeface="Arial"/>
-              </a:rPr>
-              <a:t> rank tensor can be described by 3</a:t>
-            </a:r>
-            <a:r>
-              <a:rPr lang="en-US" strike="noStrike" spc="-1" baseline="30000" dirty="0" smtClean="0">
-                <a:uFill>
-                  <a:solidFill>
-                    <a:srgbClr val="FFFFFF"/>
-                  </a:solidFill>
-                </a:uFill>
-                <a:latin typeface="Arial"/>
-              </a:rPr>
-              <a:t>n</a:t>
-            </a:r>
-            <a:r>
-              <a:rPr lang="en-US" strike="noStrike" spc="-1" dirty="0" smtClean="0">
-                <a:uFill>
-                  <a:solidFill>
-                    <a:srgbClr val="FFFFFF"/>
-                  </a:solidFill>
-                </a:uFill>
-                <a:latin typeface="Arial"/>
-              </a:rPr>
-              <a:t> </a:t>
-            </a:r>
-            <a:r>
-              <a:rPr lang="en-US" strike="noStrike" spc="-1" dirty="0" smtClean="0">
-                <a:uFill>
-                  <a:solidFill>
-                    <a:srgbClr val="FFFFFF"/>
-                  </a:solidFill>
-                </a:uFill>
-                <a:latin typeface="Arial"/>
-              </a:rPr>
-              <a:t>coefficients.</a:t>
+              <a:t> coefficients.</a:t>
             </a:r>
             <a:endParaRPr lang="en-US" dirty="0" smtClean="0"/>
           </a:p>
@@ -8010,7 +7885,7 @@
     </p:spTree>
     <p:extLst>
       <p:ext uri="{BB962C8B-B14F-4D97-AF65-F5344CB8AC3E}">
-        <p14:creationId xmlns:p14="http://schemas.microsoft.com/office/powerpoint/2010/main" xmlns="" val="616850452"/>
+        <p14:creationId xmlns:p14="http://schemas.microsoft.com/office/powerpoint/2010/main" val="616850452"/>
       </p:ext>
     </p:extLst>
   </p:cSld>
@@ -8094,7 +7969,7 @@
           <a:blip r:embed="rId2" cstate="print">
             <a:extLst>
               <a:ext uri="{28A0092B-C50C-407E-A947-70E740481C1C}">
-                <a14:useLocalDpi xmlns:a14="http://schemas.microsoft.com/office/drawing/2010/main" xmlns="" val="0"/>
+                <a14:useLocalDpi xmlns:a14="http://schemas.microsoft.com/office/drawing/2010/main" val="0"/>
               </a:ext>
             </a:extLst>
           </a:blip>
@@ -8104,8 +7979,8 @@
         </p:blipFill>
         <p:spPr>
           <a:xfrm>
-            <a:off x="578620" y="1782934"/>
-            <a:ext cx="11034760" cy="3871845"/>
+            <a:off x="838199" y="1644389"/>
+            <a:ext cx="9409801" cy="3301684"/>
           </a:xfrm>
         </p:spPr>
       </p:pic>
@@ -8140,7 +8015,7 @@
     </p:spTree>
     <p:extLst>
       <p:ext uri="{BB962C8B-B14F-4D97-AF65-F5344CB8AC3E}">
-        <p14:creationId xmlns:p14="http://schemas.microsoft.com/office/powerpoint/2010/main" xmlns="" val="3335673662"/>
+        <p14:creationId xmlns:p14="http://schemas.microsoft.com/office/powerpoint/2010/main" val="3335673662"/>
       </p:ext>
     </p:extLst>
   </p:cSld>
@@ -8216,7 +8091,7 @@
                 </a:uFill>
                 <a:latin typeface="Arial"/>
               </a:rPr>
-              <a:t>Xeon</a:t>
+              <a:t>Core</a:t>
             </a:r>
             <a:endParaRPr lang="en-US" dirty="0"/>
           </a:p>
@@ -8232,9 +8107,16 @@
             <p:ph idx="1"/>
           </p:nvPr>
         </p:nvSpPr>
-        <p:spPr/>
-        <p:txBody>
-          <a:bodyPr/>
+        <p:spPr>
+          <a:xfrm>
+            <a:off x="166254" y="2005012"/>
+            <a:ext cx="11859491" cy="4351338"/>
+          </a:xfrm>
+        </p:spPr>
+        <p:txBody>
+          <a:bodyPr>
+            <a:normAutofit/>
+          </a:bodyPr>
           <a:lstStyle/>
           <a:p>
             <a:pPr>
@@ -8243,40 +8125,40 @@
               </a:lnSpc>
             </a:pPr>
             <a:r>
-              <a:rPr lang="en-US" strike="noStrike" spc="-1" dirty="0" smtClean="0">
-                <a:uFill>
-                  <a:solidFill>
-                    <a:srgbClr val="FFFFFF"/>
-                  </a:solidFill>
-                </a:uFill>
-                <a:latin typeface="Arial"/>
-              </a:rPr>
-              <a:t>The </a:t>
-            </a:r>
-            <a:r>
-              <a:rPr lang="en-US" b="1" strike="noStrike" spc="-1" dirty="0" smtClean="0">
-                <a:uFill>
-                  <a:solidFill>
-                    <a:srgbClr val="FFFFFF"/>
-                  </a:solidFill>
-                </a:uFill>
-                <a:latin typeface="Arial"/>
-              </a:rPr>
-              <a:t>Xeon </a:t>
-            </a:r>
-            <a:r>
-              <a:rPr lang="en-US" strike="noStrike" spc="-1" dirty="0" smtClean="0">
-                <a:uFill>
-                  <a:solidFill>
-                    <a:srgbClr val="FFFFFF"/>
-                  </a:solidFill>
-                </a:uFill>
-                <a:latin typeface="Arial"/>
-              </a:rPr>
-              <a:t>is a brand of x86 microprocessors </a:t>
+              <a:rPr lang="en-US" b="1" spc="-1" dirty="0">
+                <a:uFill>
+                  <a:solidFill>
+                    <a:srgbClr val="FFFFFF"/>
+                  </a:solidFill>
+                </a:uFill>
+                <a:latin typeface="Arial"/>
+              </a:rPr>
+              <a:t>Intel Core </a:t>
+            </a:r>
+            <a:r>
+              <a:rPr lang="en-US" spc="-1" dirty="0">
+                <a:uFill>
+                  <a:solidFill>
+                    <a:srgbClr val="FFFFFF"/>
+                  </a:solidFill>
+                </a:uFill>
+                <a:latin typeface="Arial"/>
+              </a:rPr>
+              <a:t>is Intel's brand name </a:t>
+            </a:r>
+            <a:r>
+              <a:rPr lang="en-US" spc="-1" dirty="0" smtClean="0">
+                <a:uFill>
+                  <a:solidFill>
+                    <a:srgbClr val="FFFFFF"/>
+                  </a:solidFill>
+                </a:uFill>
+                <a:latin typeface="Arial"/>
+              </a:rPr>
+              <a:t/>
             </a:r>
             <a:br>
-              <a:rPr lang="en-US" strike="noStrike" spc="-1" dirty="0" smtClean="0">
+              <a:rPr lang="en-US" spc="-1" dirty="0" smtClean="0">
                 <a:uFill>
                   <a:solidFill>
                     <a:srgbClr val="FFFFFF"/>
@@ -8286,57 +8168,59 @@
               </a:rPr>
             </a:br>
             <a:r>
-              <a:rPr lang="en-US" strike="noStrike" spc="-1" dirty="0" smtClean="0">
-                <a:uFill>
-                  <a:solidFill>
-                    <a:srgbClr val="FFFFFF"/>
-                  </a:solidFill>
-                </a:uFill>
-                <a:latin typeface="Arial"/>
-              </a:rPr>
-              <a:t>designed and manufactured by Intel Corporation,</a:t>
-            </a:r>
-            <a:br>
-              <a:rPr lang="en-US" strike="noStrike" spc="-1" dirty="0" smtClean="0">
-                <a:uFill>
-                  <a:solidFill>
-                    <a:srgbClr val="FFFFFF"/>
-                  </a:solidFill>
-                </a:uFill>
-                <a:latin typeface="Arial"/>
-              </a:rPr>
-            </a:br>
-            <a:r>
-              <a:rPr lang="en-US" strike="noStrike" spc="-1" dirty="0" smtClean="0">
-                <a:uFill>
-                  <a:solidFill>
-                    <a:srgbClr val="FFFFFF"/>
-                  </a:solidFill>
-                </a:uFill>
-                <a:latin typeface="Arial"/>
-              </a:rPr>
-              <a:t>targeted at the non-consumer workstation, </a:t>
-            </a:r>
-            <a:br>
-              <a:rPr lang="en-US" strike="noStrike" spc="-1" dirty="0" smtClean="0">
-                <a:uFill>
-                  <a:solidFill>
-                    <a:srgbClr val="FFFFFF"/>
-                  </a:solidFill>
-                </a:uFill>
-                <a:latin typeface="Arial"/>
-              </a:rPr>
-            </a:br>
-            <a:r>
-              <a:rPr lang="en-US" strike="noStrike" spc="-1" dirty="0" smtClean="0">
-                <a:uFill>
-                  <a:solidFill>
-                    <a:srgbClr val="FFFFFF"/>
-                  </a:solidFill>
-                </a:uFill>
-                <a:latin typeface="Arial"/>
-              </a:rPr>
-              <a:t>server and embedded system markets</a:t>
+              <a:rPr lang="en-US" spc="-1" dirty="0" smtClean="0">
+                <a:uFill>
+                  <a:solidFill>
+                    <a:srgbClr val="FFFFFF"/>
+                  </a:solidFill>
+                </a:uFill>
+                <a:latin typeface="Arial"/>
+              </a:rPr>
+              <a:t>for </a:t>
+            </a:r>
+            <a:r>
+              <a:rPr lang="en-US" spc="-1" dirty="0">
+                <a:uFill>
+                  <a:solidFill>
+                    <a:srgbClr val="FFFFFF"/>
+                  </a:solidFill>
+                </a:uFill>
+                <a:latin typeface="Arial"/>
+              </a:rPr>
+              <a:t>various mid-range to high-end </a:t>
+            </a:r>
+            <a:r>
+              <a:rPr lang="en-US" spc="-1" dirty="0" smtClean="0">
+                <a:uFill>
+                  <a:solidFill>
+                    <a:srgbClr val="FFFFFF"/>
+                  </a:solidFill>
+                </a:uFill>
+                <a:latin typeface="Arial"/>
+              </a:rPr>
+              <a:t>home </a:t>
+            </a:r>
+            <a:r>
+              <a:rPr lang="en-US" spc="-1" dirty="0">
+                <a:uFill>
+                  <a:solidFill>
+                    <a:srgbClr val="FFFFFF"/>
+                  </a:solidFill>
+                </a:uFill>
+                <a:latin typeface="Arial"/>
+              </a:rPr>
+              <a:t>and business </a:t>
+            </a:r>
+            <a:r>
+              <a:rPr lang="en-US" spc="-1" dirty="0" smtClean="0">
+                <a:uFill>
+                  <a:solidFill>
+                    <a:srgbClr val="FFFFFF"/>
+                  </a:solidFill>
+                </a:uFill>
+                <a:latin typeface="Arial"/>
+              </a:rPr>
+              <a:t>microprocessors</a:t>
             </a:r>
           </a:p>
           <a:p>
@@ -8346,25 +8230,152 @@
               </a:lnSpc>
             </a:pPr>
             <a:r>
+              <a:rPr lang="en-US" spc="-1" dirty="0" smtClean="0">
+                <a:uFill>
+                  <a:solidFill>
+                    <a:srgbClr val="FFFFFF"/>
+                  </a:solidFill>
+                </a:uFill>
+                <a:latin typeface="Arial"/>
+              </a:rPr>
+              <a:t>Identical </a:t>
+            </a:r>
+            <a:r>
+              <a:rPr lang="en-US" spc="-1" dirty="0">
+                <a:uFill>
+                  <a:solidFill>
+                    <a:srgbClr val="FFFFFF"/>
+                  </a:solidFill>
+                </a:uFill>
+                <a:latin typeface="Arial"/>
+              </a:rPr>
+              <a:t>or more capable versions of </a:t>
+            </a:r>
+            <a:r>
+              <a:rPr lang="en-US" b="1" spc="-1" dirty="0">
+                <a:uFill>
+                  <a:solidFill>
+                    <a:srgbClr val="FFFFFF"/>
+                  </a:solidFill>
+                </a:uFill>
+                <a:latin typeface="Arial"/>
+              </a:rPr>
+              <a:t>Core</a:t>
+            </a:r>
+            <a:r>
+              <a:rPr lang="en-US" spc="-1" dirty="0">
+                <a:uFill>
+                  <a:solidFill>
+                    <a:srgbClr val="FFFFFF"/>
+                  </a:solidFill>
+                </a:uFill>
+                <a:latin typeface="Arial"/>
+              </a:rPr>
+              <a:t> processors </a:t>
+            </a:r>
+            <a:r>
+              <a:rPr lang="en-US" spc="-1" dirty="0" smtClean="0">
+                <a:uFill>
+                  <a:solidFill>
+                    <a:srgbClr val="FFFFFF"/>
+                  </a:solidFill>
+                </a:uFill>
+                <a:latin typeface="Arial"/>
+              </a:rPr>
+              <a:t/>
+            </a:r>
+            <a:br>
+              <a:rPr lang="en-US" spc="-1" dirty="0" smtClean="0">
+                <a:uFill>
+                  <a:solidFill>
+                    <a:srgbClr val="FFFFFF"/>
+                  </a:solidFill>
+                </a:uFill>
+                <a:latin typeface="Arial"/>
+              </a:rPr>
+            </a:br>
+            <a:r>
+              <a:rPr lang="en-US" spc="-1" dirty="0" smtClean="0">
+                <a:uFill>
+                  <a:solidFill>
+                    <a:srgbClr val="FFFFFF"/>
+                  </a:solidFill>
+                </a:uFill>
+                <a:latin typeface="Arial"/>
+              </a:rPr>
+              <a:t>are </a:t>
+            </a:r>
+            <a:r>
+              <a:rPr lang="en-US" spc="-1" dirty="0">
+                <a:uFill>
+                  <a:solidFill>
+                    <a:srgbClr val="FFFFFF"/>
+                  </a:solidFill>
+                </a:uFill>
+                <a:latin typeface="Arial"/>
+              </a:rPr>
+              <a:t>also sold as </a:t>
+            </a:r>
+            <a:r>
+              <a:rPr lang="en-US" b="1" spc="-1" dirty="0">
+                <a:uFill>
+                  <a:solidFill>
+                    <a:srgbClr val="FFFFFF"/>
+                  </a:solidFill>
+                </a:uFill>
+                <a:latin typeface="Arial"/>
+              </a:rPr>
+              <a:t>Xeon</a:t>
+            </a:r>
+            <a:r>
+              <a:rPr lang="en-US" spc="-1" dirty="0">
+                <a:uFill>
+                  <a:solidFill>
+                    <a:srgbClr val="FFFFFF"/>
+                  </a:solidFill>
+                </a:uFill>
+                <a:latin typeface="Arial"/>
+              </a:rPr>
+              <a:t> processors for the server and workstation </a:t>
+            </a:r>
+            <a:r>
+              <a:rPr lang="en-US" spc="-1" dirty="0" smtClean="0">
+                <a:uFill>
+                  <a:solidFill>
+                    <a:srgbClr val="FFFFFF"/>
+                  </a:solidFill>
+                </a:uFill>
+                <a:latin typeface="Arial"/>
+              </a:rPr>
+              <a:t>market</a:t>
+            </a:r>
+          </a:p>
+          <a:p>
+            <a:pPr>
+              <a:lnSpc>
+                <a:spcPct val="100000"/>
+              </a:lnSpc>
+            </a:pPr>
+            <a:r>
               <a:rPr lang="en-US" dirty="0" smtClean="0">
                 <a:latin typeface="Arial" panose="020B0604020202020204" pitchFamily="34" charset="0"/>
                 <a:cs typeface="Arial" panose="020B0604020202020204" pitchFamily="34" charset="0"/>
               </a:rPr>
-              <a:t>Intel Xeon processor used here </a:t>
+              <a:t>Intel Core processor </a:t>
             </a:r>
             <a:r>
               <a:rPr lang="en-US" dirty="0" smtClean="0">
                 <a:latin typeface="Arial" panose="020B0604020202020204" pitchFamily="34" charset="0"/>
                 <a:cs typeface="Arial" panose="020B0604020202020204" pitchFamily="34" charset="0"/>
               </a:rPr>
-              <a:t>has </a:t>
+              <a:t>used </a:t>
             </a:r>
             <a:r>
               <a:rPr lang="en-US" dirty="0" smtClean="0">
                 <a:latin typeface="Arial" panose="020B0604020202020204" pitchFamily="34" charset="0"/>
                 <a:cs typeface="Arial" panose="020B0604020202020204" pitchFamily="34" charset="0"/>
               </a:rPr>
-              <a:t>next properties</a:t>
+              <a:t>here:</a:t>
             </a:r>
           </a:p>
           <a:p>
@@ -8374,18 +8385,18 @@
               </a:lnSpc>
             </a:pPr>
             <a:r>
-              <a:rPr lang="en-US" dirty="0">
-                <a:latin typeface="Arial" panose="020B0604020202020204" pitchFamily="34" charset="0"/>
-                <a:cs typeface="Arial" panose="020B0604020202020204" pitchFamily="34" charset="0"/>
-              </a:rPr>
-              <a:t>i</a:t>
-            </a:r>
-            <a:r>
               <a:rPr lang="en-US" dirty="0" smtClean="0">
                 <a:latin typeface="Arial" panose="020B0604020202020204" pitchFamily="34" charset="0"/>
                 <a:cs typeface="Arial" panose="020B0604020202020204" pitchFamily="34" charset="0"/>
               </a:rPr>
-              <a:t>7 generation</a:t>
+              <a:t>i</a:t>
+            </a:r>
+            <a:r>
+              <a:rPr lang="en-US" dirty="0" smtClean="0">
+                <a:latin typeface="Arial" panose="020B0604020202020204" pitchFamily="34" charset="0"/>
+                <a:cs typeface="Arial" panose="020B0604020202020204" pitchFamily="34" charset="0"/>
+              </a:rPr>
+              <a:t>7-4850HQ</a:t>
             </a:r>
           </a:p>
           <a:p>
@@ -8399,7 +8410,7 @@
                 <a:latin typeface="Arial" panose="020B0604020202020204" pitchFamily="34" charset="0"/>
                 <a:cs typeface="Arial" panose="020B0604020202020204" pitchFamily="34" charset="0"/>
               </a:rPr>
-              <a:t>2.3GHz</a:t>
+              <a:t>6MB Cache</a:t>
             </a:r>
           </a:p>
           <a:p>
@@ -8413,8 +8424,40 @@
                 <a:latin typeface="Arial" panose="020B0604020202020204" pitchFamily="34" charset="0"/>
                 <a:cs typeface="Arial" panose="020B0604020202020204" pitchFamily="34" charset="0"/>
               </a:rPr>
-              <a:t>16GB RAM</a:t>
-            </a:r>
+              <a:t>2.3GHz Base </a:t>
+            </a:r>
+            <a:r>
+              <a:rPr lang="en-US" dirty="0" smtClean="0">
+                <a:latin typeface="Arial" panose="020B0604020202020204" pitchFamily="34" charset="0"/>
+                <a:cs typeface="Arial" panose="020B0604020202020204" pitchFamily="34" charset="0"/>
+              </a:rPr>
+              <a:t>F</a:t>
+            </a:r>
+            <a:r>
+              <a:rPr lang="en-US" dirty="0" smtClean="0">
+                <a:latin typeface="Arial" panose="020B0604020202020204" pitchFamily="34" charset="0"/>
+                <a:cs typeface="Arial" panose="020B0604020202020204" pitchFamily="34" charset="0"/>
+              </a:rPr>
+              <a:t>requency</a:t>
+            </a:r>
+          </a:p>
+          <a:p>
+            <a:pPr lvl="1">
+              <a:lnSpc>
+                <a:spcPct val="100000"/>
+              </a:lnSpc>
+            </a:pPr>
+            <a:r>
+              <a:rPr lang="en-US" dirty="0" smtClean="0">
+                <a:latin typeface="Arial" panose="020B0604020202020204" pitchFamily="34" charset="0"/>
+                <a:cs typeface="Arial" panose="020B0604020202020204" pitchFamily="34" charset="0"/>
+              </a:rPr>
+              <a:t>3.3GHz Max Turbo Frequency</a:t>
+            </a:r>
+            <a:endParaRPr lang="en-US" dirty="0" smtClean="0">
+              <a:latin typeface="Arial" panose="020B0604020202020204" pitchFamily="34" charset="0"/>
+              <a:cs typeface="Arial" panose="020B0604020202020204" pitchFamily="34" charset="0"/>
+            </a:endParaRPr>
           </a:p>
         </p:txBody>
       </p:sp>
@@ -8430,8 +8473,8 @@
         </p:blipFill>
         <p:spPr>
           <a:xfrm>
-            <a:off x="9586156" y="276037"/>
-            <a:ext cx="2401720" cy="1810226"/>
+            <a:off x="6251726" y="272865"/>
+            <a:ext cx="2047147" cy="1658126"/>
           </a:xfrm>
           <a:prstGeom prst="rect">
             <a:avLst/>
@@ -8469,10 +8512,40 @@
           </a:p>
         </p:txBody>
       </p:sp>
+      <p:pic>
+        <p:nvPicPr>
+          <p:cNvPr id="6" name="Picture 5"/>
+          <p:cNvPicPr>
+            <a:picLocks noChangeAspect="1"/>
+          </p:cNvPicPr>
+          <p:nvPr/>
+        </p:nvPicPr>
+        <p:blipFill>
+          <a:blip r:embed="rId3">
+            <a:extLst>
+              <a:ext uri="{28A0092B-C50C-407E-A947-70E740481C1C}">
+                <a14:useLocalDpi xmlns:a14="http://schemas.microsoft.com/office/drawing/2010/main" val="0"/>
+              </a:ext>
+            </a:extLst>
+          </a:blip>
+          <a:stretch>
+            <a:fillRect/>
+          </a:stretch>
+        </p:blipFill>
+        <p:spPr>
+          <a:xfrm>
+            <a:off x="3736375" y="272865"/>
+            <a:ext cx="2359624" cy="1658126"/>
+          </a:xfrm>
+          <a:prstGeom prst="rect">
+            <a:avLst/>
+          </a:prstGeom>
+        </p:spPr>
+      </p:pic>
     </p:spTree>
     <p:extLst>
       <p:ext uri="{BB962C8B-B14F-4D97-AF65-F5344CB8AC3E}">
-        <p14:creationId xmlns:p14="http://schemas.microsoft.com/office/powerpoint/2010/main" xmlns="" val="875017703"/>
+        <p14:creationId xmlns:p14="http://schemas.microsoft.com/office/powerpoint/2010/main" val="875017703"/>
       </p:ext>
     </p:extLst>
   </p:cSld>
@@ -8891,7 +8964,7 @@
     </p:spTree>
     <p:extLst>
       <p:ext uri="{BB962C8B-B14F-4D97-AF65-F5344CB8AC3E}">
-        <p14:creationId xmlns:p14="http://schemas.microsoft.com/office/powerpoint/2010/main" xmlns="" val="1837211154"/>
+        <p14:creationId xmlns:p14="http://schemas.microsoft.com/office/powerpoint/2010/main" val="1837211154"/>
       </p:ext>
     </p:extLst>
   </p:cSld>
@@ -9135,7 +9208,7 @@
     </p:spTree>
     <p:extLst>
       <p:ext uri="{BB962C8B-B14F-4D97-AF65-F5344CB8AC3E}">
-        <p14:creationId xmlns:p14="http://schemas.microsoft.com/office/powerpoint/2010/main" xmlns="" val="2262813031"/>
+        <p14:creationId xmlns:p14="http://schemas.microsoft.com/office/powerpoint/2010/main" val="2262813031"/>
       </p:ext>
     </p:extLst>
   </p:cSld>
@@ -9439,31 +9512,7 @@
                 <a:latin typeface="Arial" panose="020B0604020202020204" pitchFamily="34" charset="0"/>
                 <a:cs typeface="Arial" panose="020B0604020202020204" pitchFamily="34" charset="0"/>
               </a:rPr>
-              <a:t>Each row corresponds to one class; classes are 0,1,…,</a:t>
-            </a:r>
-            <a:r>
-              <a:rPr lang="en-US" strike="noStrike" spc="-1" dirty="0" smtClean="0">
-                <a:uFill>
-                  <a:solidFill>
-                    <a:srgbClr val="FFFFFF"/>
-                  </a:solidFill>
-                </a:uFill>
-                <a:latin typeface="Arial" panose="020B0604020202020204" pitchFamily="34" charset="0"/>
-                <a:cs typeface="Arial" panose="020B0604020202020204" pitchFamily="34" charset="0"/>
-              </a:rPr>
-              <a:t>9, </a:t>
-            </a:r>
-            <a:r>
-              <a:rPr lang="en-US" strike="noStrike" spc="-1" dirty="0" smtClean="0">
-                <a:uFill>
-                  <a:solidFill>
-                    <a:srgbClr val="FFFFFF"/>
-                  </a:solidFill>
-                </a:uFill>
-                <a:latin typeface="Arial" panose="020B0604020202020204" pitchFamily="34" charset="0"/>
-                <a:cs typeface="Arial" panose="020B0604020202020204" pitchFamily="34" charset="0"/>
-              </a:rPr>
-              <a:t>respectively</a:t>
+              <a:t>Each row corresponds to one class; classes are 0,1,…,9, respectively</a:t>
             </a:r>
             <a:endParaRPr lang="en-US" dirty="0" smtClean="0">
               <a:latin typeface="Arial" panose="020B0604020202020204" pitchFamily="34" charset="0"/>
@@ -9513,19 +9562,7 @@
                 <a:latin typeface="Arial" panose="020B0604020202020204" pitchFamily="34" charset="0"/>
                 <a:cs typeface="Arial" panose="020B0604020202020204" pitchFamily="34" charset="0"/>
               </a:rPr>
-              <a:t> </a:t>
-            </a:r>
-            <a:r>
-              <a:rPr lang="en-US" sz="3200" strike="noStrike" spc="-1" dirty="0" smtClean="0">
-                <a:uFill>
-                  <a:solidFill>
-                    <a:srgbClr val="FFFFFF"/>
-                  </a:solidFill>
-                </a:uFill>
-                <a:latin typeface="Arial" panose="020B0604020202020204" pitchFamily="34" charset="0"/>
-                <a:cs typeface="Arial" panose="020B0604020202020204" pitchFamily="34" charset="0"/>
-              </a:rPr>
-              <a:t>regression over DFE outputs</a:t>
+              <a:t> regression over DFE outputs</a:t>
             </a:r>
             <a:endParaRPr lang="en-US" sz="3200" dirty="0" smtClean="0">
               <a:latin typeface="Arial" panose="020B0604020202020204" pitchFamily="34" charset="0"/>
@@ -9565,7 +9602,7 @@
     </p:spTree>
     <p:extLst>
       <p:ext uri="{BB962C8B-B14F-4D97-AF65-F5344CB8AC3E}">
-        <p14:creationId xmlns:p14="http://schemas.microsoft.com/office/powerpoint/2010/main" xmlns="" val="2211094446"/>
+        <p14:creationId xmlns:p14="http://schemas.microsoft.com/office/powerpoint/2010/main" val="2211094446"/>
       </p:ext>
     </p:extLst>
   </p:cSld>
@@ -9826,29 +9863,7 @@
                 </a:uFill>
                 <a:latin typeface="Arial"/>
               </a:rPr>
-              <a:t>so that the next sum </a:t>
-            </a:r>
-            <a:r>
-              <a:rPr lang="en-US" sz="2000" strike="noStrike" spc="-1" dirty="0" smtClean="0">
-                <a:uFill>
-                  <a:solidFill>
-                    <a:srgbClr val="FFFFFF"/>
-                  </a:solidFill>
-                </a:uFill>
-                <a:latin typeface="Arial"/>
-              </a:rPr>
-              <a:t>does not </a:t>
-            </a:r>
-            <a:r>
-              <a:rPr lang="en-US" sz="2000" strike="noStrike" spc="-1" dirty="0" smtClean="0">
-                <a:uFill>
-                  <a:solidFill>
-                    <a:srgbClr val="FFFFFF"/>
-                  </a:solidFill>
-                </a:uFill>
-                <a:latin typeface="Arial"/>
-              </a:rPr>
-              <a:t>depend </a:t>
+              <a:t>so that the next sum does not depend </a:t>
             </a:r>
             <a:br>
               <a:rPr lang="en-US" sz="2000" strike="noStrike" spc="-1" dirty="0" smtClean="0">
@@ -9869,29 +9884,7 @@
                 </a:uFill>
                 <a:latin typeface="Arial"/>
               </a:rPr>
-              <a:t>on results from the previous iteration </a:t>
-            </a:r>
-            <a:r>
-              <a:rPr lang="en-US" sz="2000" strike="noStrike" spc="-1" dirty="0" smtClean="0">
-                <a:uFill>
-                  <a:solidFill>
-                    <a:srgbClr val="FFFFFF"/>
-                  </a:solidFill>
-                </a:uFill>
-                <a:latin typeface="Arial"/>
-              </a:rPr>
-              <a:t>(the loop </a:t>
-            </a:r>
-            <a:r>
-              <a:rPr lang="en-US" sz="2000" strike="noStrike" spc="-1" dirty="0" smtClean="0">
-                <a:uFill>
-                  <a:solidFill>
-                    <a:srgbClr val="FFFFFF"/>
-                  </a:solidFill>
-                </a:uFill>
-                <a:latin typeface="Arial"/>
-              </a:rPr>
-              <a:t>tiling method)</a:t>
+              <a:t>on results from the previous iteration (the loop tiling method)</a:t>
             </a:r>
             <a:endParaRPr lang="en-US" sz="2000" dirty="0" smtClean="0"/>
           </a:p>
@@ -10010,7 +10003,7 @@
     </p:spTree>
     <p:extLst>
       <p:ext uri="{BB962C8B-B14F-4D97-AF65-F5344CB8AC3E}">
-        <p14:creationId xmlns:p14="http://schemas.microsoft.com/office/powerpoint/2010/main" xmlns="" val="387386393"/>
+        <p14:creationId xmlns:p14="http://schemas.microsoft.com/office/powerpoint/2010/main" val="387386393"/>
       </p:ext>
     </p:extLst>
   </p:cSld>
@@ -10282,7 +10275,7 @@
   <a:extraClrSchemeLst/>
   <a:extLst>
     <a:ext uri="{05A4C25C-085E-4340-85A3-A5531E510DB2}">
-      <thm15:themeFamily xmlns:thm15="http://schemas.microsoft.com/office/thememl/2012/main" xmlns="" name="Office Theme" id="{62F939B6-93AF-4DB8-9C6B-D6C7DFDC589F}" vid="{4A3C46E8-61CC-4603-A589-7422A47A8E4A}"/>
+      <thm15:themeFamily xmlns:thm15="http://schemas.microsoft.com/office/thememl/2012/main" name="Office Theme" id="{62F939B6-93AF-4DB8-9C6B-D6C7DFDC589F}" vid="{4A3C46E8-61CC-4603-A589-7422A47A8E4A}"/>
     </a:ext>
   </a:extLst>
 </a:theme>
@@ -10543,7 +10536,7 @@
   <a:extraClrSchemeLst/>
   <a:extLst>
     <a:ext uri="{05A4C25C-085E-4340-85A3-A5531E510DB2}">
-      <thm15:themeFamily xmlns:thm15="http://schemas.microsoft.com/office/thememl/2012/main" xmlns="" name="Office Theme" id="{62F939B6-93AF-4DB8-9C6B-D6C7DFDC589F}" vid="{4A3C46E8-61CC-4603-A589-7422A47A8E4A}"/>
+      <thm15:themeFamily xmlns:thm15="http://schemas.microsoft.com/office/thememl/2012/main" name="Office Theme" id="{62F939B6-93AF-4DB8-9C6B-D6C7DFDC589F}" vid="{4A3C46E8-61CC-4603-A589-7422A47A8E4A}"/>
     </a:ext>
   </a:extLst>
 </a:theme>
@@ -10804,7 +10797,7 @@
   <a:extraClrSchemeLst/>
   <a:extLst>
     <a:ext uri="{05A4C25C-085E-4340-85A3-A5531E510DB2}">
-      <thm15:themeFamily xmlns:thm15="http://schemas.microsoft.com/office/thememl/2012/main" xmlns="" name="Office Theme" id="{62F939B6-93AF-4DB8-9C6B-D6C7DFDC589F}" vid="{4A3C46E8-61CC-4603-A589-7422A47A8E4A}"/>
+      <thm15:themeFamily xmlns:thm15="http://schemas.microsoft.com/office/thememl/2012/main" name="Office Theme" id="{62F939B6-93AF-4DB8-9C6B-D6C7DFDC589F}" vid="{4A3C46E8-61CC-4603-A589-7422A47A8E4A}"/>
     </a:ext>
   </a:extLst>
 </a:theme>
